--- a/Net development/Asp Chapters/ASP.NET MVC Lesson 7 Scaffolding.pptx
+++ b/Net development/Asp Chapters/ASP.NET MVC Lesson 7 Scaffolding.pptx
@@ -265,7 +265,7 @@
             <a:fld id="{7F1A4A96-82D9-489B-915B-218BDB102403}" type="datetimeFigureOut">
               <a:rPr lang="nl-BE" smtClean="0"/>
               <a:pPr/>
-              <a:t>13/03/2023</a:t>
+              <a:t>29/09/2022</a:t>
             </a:fld>
             <a:endParaRPr lang="nl-BE"/>
           </a:p>
@@ -332,7 +332,7 @@
             <a:fld id="{0D17EFB8-940B-4475-A4F4-BBE959E16336}" type="slidenum">
               <a:rPr lang="nl-BE" smtClean="0"/>
               <a:pPr/>
-              <a:t>‹#›</a:t>
+              <a:t>‹nr.›</a:t>
             </a:fld>
             <a:endParaRPr lang="nl-BE"/>
           </a:p>
@@ -432,7 +432,7 @@
             <a:fld id="{D1925427-6E8A-463A-9752-7D22F5CAF14A}" type="datetimeFigureOut">
               <a:rPr lang="nl-BE" smtClean="0"/>
               <a:pPr/>
-              <a:t>13/03/2023</a:t>
+              <a:t>29/09/2022</a:t>
             </a:fld>
             <a:endParaRPr lang="nl-BE"/>
           </a:p>
@@ -563,7 +563,7 @@
             <a:fld id="{89ED9555-764A-4B78-873A-3D7406AAEA2B}" type="slidenum">
               <a:rPr lang="nl-BE" smtClean="0"/>
               <a:pPr/>
-              <a:t>‹#›</a:t>
+              <a:t>‹nr.›</a:t>
             </a:fld>
             <a:endParaRPr lang="nl-BE"/>
           </a:p>
@@ -691,103 +691,6 @@
       </p:grpSpPr>
       <p:sp>
         <p:nvSpPr>
-          <p:cNvPr id="2" name="Slide Image Placeholder 1"/>
-          <p:cNvSpPr>
-            <a:spLocks noGrp="1" noRot="1" noChangeAspect="1"/>
-          </p:cNvSpPr>
-          <p:nvPr>
-            <p:ph type="sldImg"/>
-          </p:nvPr>
-        </p:nvSpPr>
-        <p:spPr/>
-      </p:sp>
-      <p:sp>
-        <p:nvSpPr>
-          <p:cNvPr id="3" name="Notes Placeholder 2"/>
-          <p:cNvSpPr>
-            <a:spLocks noGrp="1"/>
-          </p:cNvSpPr>
-          <p:nvPr>
-            <p:ph type="body" idx="1"/>
-          </p:nvPr>
-        </p:nvSpPr>
-        <p:spPr/>
-        <p:txBody>
-          <a:bodyPr/>
-          <a:lstStyle/>
-          <a:p>
-            <a:r>
-              <a:rPr lang="en-GB" dirty="0"/>
-              <a:t>Y</a:t>
-            </a:r>
-            <a:r>
-              <a:rPr lang="en-BE" dirty="0"/>
-              <a:t>o layout page ma </a:t>
-            </a:r>
-            <a:r>
-              <a:rPr lang="en-BE" dirty="0" err="1"/>
-              <a:t>garne</a:t>
-            </a:r>
-            <a:endParaRPr lang="en-BE" dirty="0"/>
-          </a:p>
-        </p:txBody>
-      </p:sp>
-      <p:sp>
-        <p:nvSpPr>
-          <p:cNvPr id="4" name="Slide Number Placeholder 3"/>
-          <p:cNvSpPr>
-            <a:spLocks noGrp="1"/>
-          </p:cNvSpPr>
-          <p:nvPr>
-            <p:ph type="sldNum" sz="quarter" idx="5"/>
-          </p:nvPr>
-        </p:nvSpPr>
-        <p:spPr/>
-        <p:txBody>
-          <a:bodyPr/>
-          <a:lstStyle/>
-          <a:p>
-            <a:fld id="{89ED9555-764A-4B78-873A-3D7406AAEA2B}" type="slidenum">
-              <a:rPr lang="nl-BE" smtClean="0"/>
-              <a:pPr/>
-              <a:t>6</a:t>
-            </a:fld>
-            <a:endParaRPr lang="nl-BE"/>
-          </a:p>
-        </p:txBody>
-      </p:sp>
-    </p:spTree>
-    <p:extLst>
-      <p:ext uri="{BB962C8B-B14F-4D97-AF65-F5344CB8AC3E}">
-        <p14:creationId xmlns:p14="http://schemas.microsoft.com/office/powerpoint/2010/main" val="2275387094"/>
-      </p:ext>
-    </p:extLst>
-  </p:cSld>
-  <p:clrMapOvr>
-    <a:masterClrMapping/>
-  </p:clrMapOvr>
-</p:notes>
-</file>
-
-<file path=ppt/notesSlides/notesSlide2.xml><?xml version="1.0" encoding="utf-8"?>
-<p:notes xmlns:a="http://schemas.openxmlformats.org/drawingml/2006/main" xmlns:r="http://schemas.openxmlformats.org/officeDocument/2006/relationships" xmlns:p="http://schemas.openxmlformats.org/presentationml/2006/main">
-  <p:cSld>
-    <p:spTree>
-      <p:nvGrpSpPr>
-        <p:cNvPr id="1" name=""/>
-        <p:cNvGrpSpPr/>
-        <p:nvPr/>
-      </p:nvGrpSpPr>
-      <p:grpSpPr>
-        <a:xfrm>
-          <a:off x="0" y="0"/>
-          <a:ext cx="0" cy="0"/>
-          <a:chOff x="0" y="0"/>
-          <a:chExt cx="0" cy="0"/>
-        </a:xfrm>
-      </p:grpSpPr>
-      <p:sp>
-        <p:nvSpPr>
           <p:cNvPr id="2" name="Tijdelijke aanduiding voor dia-afbeelding 1"/>
           <p:cNvSpPr>
             <a:spLocks noGrp="1" noRot="1" noChangeAspect="1"/>
@@ -1198,7 +1101,7 @@
             <a:fld id="{3B80295F-48CD-49FC-897A-CCEC919B8070}" type="slidenum">
               <a:rPr lang="nl-BE" smtClean="0"/>
               <a:pPr/>
-              <a:t>‹#›</a:t>
+              <a:t>‹nr.›</a:t>
             </a:fld>
             <a:endParaRPr lang="nl-BE" dirty="0"/>
           </a:p>
@@ -1542,7 +1445,7 @@
             <a:fld id="{3B80295F-48CD-49FC-897A-CCEC919B8070}" type="slidenum">
               <a:rPr lang="nl-BE" smtClean="0"/>
               <a:pPr/>
-              <a:t>‹#›</a:t>
+              <a:t>‹nr.›</a:t>
             </a:fld>
             <a:endParaRPr lang="nl-BE" dirty="0"/>
           </a:p>
@@ -1757,7 +1660,7 @@
             <a:fld id="{3B80295F-48CD-49FC-897A-CCEC919B8070}" type="slidenum">
               <a:rPr lang="nl-BE" smtClean="0"/>
               <a:pPr/>
-              <a:t>‹#›</a:t>
+              <a:t>‹nr.›</a:t>
             </a:fld>
             <a:endParaRPr lang="nl-BE" dirty="0"/>
           </a:p>
@@ -2195,7 +2098,7 @@
             <a:fld id="{3B80295F-48CD-49FC-897A-CCEC919B8070}" type="slidenum">
               <a:rPr lang="nl-BE" smtClean="0"/>
               <a:pPr/>
-              <a:t>‹#›</a:t>
+              <a:t>‹nr.›</a:t>
             </a:fld>
             <a:endParaRPr lang="nl-BE" dirty="0"/>
           </a:p>
@@ -2437,7 +2340,7 @@
             <a:fld id="{3B80295F-48CD-49FC-897A-CCEC919B8070}" type="slidenum">
               <a:rPr lang="nl-BE" smtClean="0"/>
               <a:pPr/>
-              <a:t>‹#›</a:t>
+              <a:t>‹nr.›</a:t>
             </a:fld>
             <a:endParaRPr lang="nl-BE" dirty="0"/>
           </a:p>
@@ -2524,7 +2427,7 @@
             <a:fld id="{3B80295F-48CD-49FC-897A-CCEC919B8070}" type="slidenum">
               <a:rPr lang="nl-BE" smtClean="0"/>
               <a:pPr/>
-              <a:t>‹#›</a:t>
+              <a:t>‹nr.›</a:t>
             </a:fld>
             <a:endParaRPr lang="nl-BE" dirty="0"/>
           </a:p>
@@ -2710,7 +2613,7 @@
             <a:fld id="{3B80295F-48CD-49FC-897A-CCEC919B8070}" type="slidenum">
               <a:rPr lang="nl-BE" smtClean="0"/>
               <a:pPr/>
-              <a:t>‹#›</a:t>
+              <a:t>‹nr.›</a:t>
             </a:fld>
             <a:endParaRPr lang="nl-BE" dirty="0"/>
           </a:p>
@@ -2974,7 +2877,7 @@
             <a:fld id="{3B80295F-48CD-49FC-897A-CCEC919B8070}" type="slidenum">
               <a:rPr lang="nl-BE" smtClean="0"/>
               <a:pPr/>
-              <a:t>‹#›</a:t>
+              <a:t>‹nr.›</a:t>
             </a:fld>
             <a:endParaRPr lang="nl-BE" dirty="0"/>
           </a:p>
@@ -15497,7 +15400,7 @@
           <p:nvPr/>
         </p:nvPicPr>
         <p:blipFill>
-          <a:blip r:embed="rId3"/>
+          <a:blip r:embed="rId2"/>
           <a:stretch>
             <a:fillRect/>
           </a:stretch>
